--- a/SportHub docs/Presentation_SportHub.pptx
+++ b/SportHub docs/Presentation_SportHub.pptx
@@ -211,7 +211,7 @@
           <a:p>
             <a:fld id="{88D7EC00-8183-46BF-9594-2169D7CEF8B9}" type="datetimeFigureOut">
               <a:rPr lang="en-US" smtClean="0"/>
-              <a:t>5/23/2021</a:t>
+              <a:t>5/30/2021</a:t>
             </a:fld>
             <a:endParaRPr lang="en-US"/>
           </a:p>
@@ -610,7 +610,7 @@
           <a:p>
             <a:fld id="{86CFD1E4-F081-49CD-8B8B-11B083719A33}" type="datetimeFigureOut">
               <a:rPr lang="en-US" smtClean="0"/>
-              <a:t>5/23/2021</a:t>
+              <a:t>5/30/2021</a:t>
             </a:fld>
             <a:endParaRPr lang="en-US"/>
           </a:p>
@@ -780,7 +780,7 @@
           <a:p>
             <a:fld id="{86CFD1E4-F081-49CD-8B8B-11B083719A33}" type="datetimeFigureOut">
               <a:rPr lang="en-US" smtClean="0"/>
-              <a:t>5/23/2021</a:t>
+              <a:t>5/30/2021</a:t>
             </a:fld>
             <a:endParaRPr lang="en-US"/>
           </a:p>
@@ -960,7 +960,7 @@
           <a:p>
             <a:fld id="{86CFD1E4-F081-49CD-8B8B-11B083719A33}" type="datetimeFigureOut">
               <a:rPr lang="en-US" smtClean="0"/>
-              <a:t>5/23/2021</a:t>
+              <a:t>5/30/2021</a:t>
             </a:fld>
             <a:endParaRPr lang="en-US"/>
           </a:p>
@@ -1130,7 +1130,7 @@
           <a:p>
             <a:fld id="{86CFD1E4-F081-49CD-8B8B-11B083719A33}" type="datetimeFigureOut">
               <a:rPr lang="en-US" smtClean="0"/>
-              <a:t>5/23/2021</a:t>
+              <a:t>5/30/2021</a:t>
             </a:fld>
             <a:endParaRPr lang="en-US"/>
           </a:p>
@@ -1376,7 +1376,7 @@
           <a:p>
             <a:fld id="{86CFD1E4-F081-49CD-8B8B-11B083719A33}" type="datetimeFigureOut">
               <a:rPr lang="en-US" smtClean="0"/>
-              <a:t>5/23/2021</a:t>
+              <a:t>5/30/2021</a:t>
             </a:fld>
             <a:endParaRPr lang="en-US"/>
           </a:p>
@@ -1608,7 +1608,7 @@
           <a:p>
             <a:fld id="{86CFD1E4-F081-49CD-8B8B-11B083719A33}" type="datetimeFigureOut">
               <a:rPr lang="en-US" smtClean="0"/>
-              <a:t>5/23/2021</a:t>
+              <a:t>5/30/2021</a:t>
             </a:fld>
             <a:endParaRPr lang="en-US"/>
           </a:p>
@@ -1975,7 +1975,7 @@
           <a:p>
             <a:fld id="{86CFD1E4-F081-49CD-8B8B-11B083719A33}" type="datetimeFigureOut">
               <a:rPr lang="en-US" smtClean="0"/>
-              <a:t>5/23/2021</a:t>
+              <a:t>5/30/2021</a:t>
             </a:fld>
             <a:endParaRPr lang="en-US"/>
           </a:p>
@@ -2093,7 +2093,7 @@
           <a:p>
             <a:fld id="{86CFD1E4-F081-49CD-8B8B-11B083719A33}" type="datetimeFigureOut">
               <a:rPr lang="en-US" smtClean="0"/>
-              <a:t>5/23/2021</a:t>
+              <a:t>5/30/2021</a:t>
             </a:fld>
             <a:endParaRPr lang="en-US"/>
           </a:p>
@@ -2188,7 +2188,7 @@
           <a:p>
             <a:fld id="{86CFD1E4-F081-49CD-8B8B-11B083719A33}" type="datetimeFigureOut">
               <a:rPr lang="en-US" smtClean="0"/>
-              <a:t>5/23/2021</a:t>
+              <a:t>5/30/2021</a:t>
             </a:fld>
             <a:endParaRPr lang="en-US"/>
           </a:p>
@@ -2465,7 +2465,7 @@
           <a:p>
             <a:fld id="{86CFD1E4-F081-49CD-8B8B-11B083719A33}" type="datetimeFigureOut">
               <a:rPr lang="en-US" smtClean="0"/>
-              <a:t>5/23/2021</a:t>
+              <a:t>5/30/2021</a:t>
             </a:fld>
             <a:endParaRPr lang="en-US"/>
           </a:p>
@@ -2718,7 +2718,7 @@
           <a:p>
             <a:fld id="{86CFD1E4-F081-49CD-8B8B-11B083719A33}" type="datetimeFigureOut">
               <a:rPr lang="en-US" smtClean="0"/>
-              <a:t>5/23/2021</a:t>
+              <a:t>5/30/2021</a:t>
             </a:fld>
             <a:endParaRPr lang="en-US"/>
           </a:p>
@@ -2931,7 +2931,7 @@
           <a:p>
             <a:fld id="{86CFD1E4-F081-49CD-8B8B-11B083719A33}" type="datetimeFigureOut">
               <a:rPr lang="en-US" smtClean="0"/>
-              <a:t>5/23/2021</a:t>
+              <a:t>5/30/2021</a:t>
             </a:fld>
             <a:endParaRPr lang="en-US"/>
           </a:p>
@@ -4355,8 +4355,8 @@
         </p:nvSpPr>
         <p:spPr>
           <a:xfrm>
-            <a:off x="478972" y="2617336"/>
-            <a:ext cx="11509828" cy="2825520"/>
+            <a:off x="478972" y="1935164"/>
+            <a:ext cx="11509828" cy="3246436"/>
           </a:xfrm>
         </p:spPr>
         <p:txBody>
@@ -4741,6 +4741,30 @@
           </a:p>
         </p:txBody>
       </p:sp>
+      <p:pic>
+        <p:nvPicPr>
+          <p:cNvPr id="2" name="Рисунок 1"/>
+          <p:cNvPicPr>
+            <a:picLocks noChangeAspect="1"/>
+          </p:cNvPicPr>
+          <p:nvPr/>
+        </p:nvPicPr>
+        <p:blipFill>
+          <a:blip r:embed="rId2"/>
+          <a:stretch>
+            <a:fillRect/>
+          </a:stretch>
+        </p:blipFill>
+        <p:spPr>
+          <a:xfrm>
+            <a:off x="1320800" y="1229007"/>
+            <a:ext cx="9202057" cy="5378229"/>
+          </a:xfrm>
+          <a:prstGeom prst="rect">
+            <a:avLst/>
+          </a:prstGeom>
+        </p:spPr>
+      </p:pic>
     </p:spTree>
     <p:extLst>
       <p:ext uri="{BB962C8B-B14F-4D97-AF65-F5344CB8AC3E}">
@@ -5010,7 +5034,6 @@
               <a:rPr lang="ru-RU" b="1" dirty="0" smtClean="0"/>
               <a:t>Итоги выполнения дипломного проекта :</a:t>
             </a:r>
-            <a:endParaRPr lang="ru-RU" b="1" dirty="0" smtClean="0"/>
           </a:p>
           <a:p>
             <a:pPr marL="342900" lvl="0" indent="-342900" algn="just">
@@ -5025,7 +5048,6 @@
               <a:rPr lang="ru-RU" dirty="0" smtClean="0"/>
               <a:t>оставленные цели и задачи выполнены;</a:t>
             </a:r>
-            <a:endParaRPr lang="ru-RU" dirty="0" smtClean="0"/>
           </a:p>
           <a:p>
             <a:pPr marL="342900" lvl="0" indent="-342900" algn="just">
@@ -5044,7 +5066,6 @@
               <a:rPr lang="ru-RU" dirty="0" smtClean="0"/>
               <a:t>»;</a:t>
             </a:r>
-            <a:endParaRPr lang="ru-RU" dirty="0" smtClean="0"/>
           </a:p>
           <a:p>
             <a:pPr marL="342900" lvl="0" indent="-342900" algn="just">
@@ -5059,7 +5080,6 @@
               <a:rPr lang="ru-RU" dirty="0" smtClean="0"/>
               <a:t>ентабельность проекта в соответствии с технико-экономическим обоснованием в пределах нормы.</a:t>
             </a:r>
-            <a:endParaRPr lang="ru-RU" dirty="0" smtClean="0"/>
           </a:p>
           <a:p>
             <a:pPr algn="ctr"/>
@@ -5246,7 +5266,17 @@
                 <a:latin typeface="Times New Roman" panose="02020603050405020304" pitchFamily="18" charset="0"/>
                 <a:cs typeface="Times New Roman" panose="02020603050405020304" pitchFamily="18" charset="0"/>
               </a:rPr>
-              <a:t>Упрощение  соблюдения дисциплины при ведении спортивного режима, предоставление возможности обмена спортивным опытом между пользователями</a:t>
+              <a:t>Упрощение  соблюдения дисциплины при ведении спортивного режима, предоставление возможности обмена спортивным опытом между </a:t>
+            </a:r>
+            <a:r>
+              <a:rPr lang="ru-RU" dirty="0" smtClean="0">
+                <a:solidFill>
+                  <a:schemeClr val="tx1"/>
+                </a:solidFill>
+                <a:latin typeface="Times New Roman" panose="02020603050405020304" pitchFamily="18" charset="0"/>
+                <a:cs typeface="Times New Roman" panose="02020603050405020304" pitchFamily="18" charset="0"/>
+              </a:rPr>
+              <a:t>пользователями.</a:t>
             </a:r>
             <a:endParaRPr lang="en-US" dirty="0">
               <a:solidFill>
@@ -6051,7 +6081,7 @@
         <p:spPr>
           <a:xfrm>
             <a:off x="83457" y="486453"/>
-            <a:ext cx="12108543" cy="1325563"/>
+            <a:ext cx="12108543" cy="957829"/>
           </a:xfrm>
         </p:spPr>
         <p:txBody>
@@ -6062,13 +6092,13 @@
           <a:p>
             <a:pPr algn="ctr"/>
             <a:r>
-              <a:rPr lang="ru-RU" sz="6600" b="1" dirty="0" smtClean="0">
+              <a:rPr lang="ru-RU" sz="5400" b="1" dirty="0" smtClean="0">
                 <a:latin typeface="Arial" panose="020B0604020202020204" pitchFamily="34" charset="0"/>
                 <a:cs typeface="Arial" panose="020B0604020202020204" pitchFamily="34" charset="0"/>
               </a:rPr>
               <a:t>Цель дипломного проекта:</a:t>
             </a:r>
-            <a:endParaRPr lang="en-US" sz="6600" dirty="0"/>
+            <a:endParaRPr lang="en-US" sz="5400" dirty="0"/>
           </a:p>
         </p:txBody>
       </p:sp>
@@ -6084,7 +6114,7 @@
         </p:nvSpPr>
         <p:spPr>
           <a:xfrm>
-            <a:off x="348343" y="1635519"/>
+            <a:off x="348343" y="1444282"/>
             <a:ext cx="11843657" cy="640897"/>
           </a:xfrm>
         </p:spPr>
@@ -6228,13 +6258,13 @@
           <a:p>
             <a:pPr algn="ctr"/>
             <a:r>
-              <a:rPr lang="ru-RU" sz="6200" b="1" dirty="0" smtClean="0">
+              <a:rPr lang="ru-RU" sz="5400" b="1" dirty="0" smtClean="0">
                 <a:latin typeface="Arial" panose="020B0604020202020204" pitchFamily="34" charset="0"/>
                 <a:cs typeface="Arial" panose="020B0604020202020204" pitchFamily="34" charset="0"/>
               </a:rPr>
               <a:t>Задачи дипломного проекта:</a:t>
             </a:r>
-            <a:endParaRPr lang="en-US" sz="6200" dirty="0"/>
+            <a:endParaRPr lang="en-US" sz="5400" dirty="0"/>
           </a:p>
         </p:txBody>
       </p:sp>
@@ -6248,7 +6278,7 @@
         </p:nvSpPr>
         <p:spPr>
           <a:xfrm>
-            <a:off x="215899" y="3079744"/>
+            <a:off x="215899" y="3031209"/>
             <a:ext cx="11843657" cy="3962400"/>
           </a:xfrm>
           <a:prstGeom prst="rect">
@@ -6769,14 +6799,7 @@
                 <a:latin typeface="Times New Roman" panose="02020603050405020304" pitchFamily="18" charset="0"/>
                 <a:cs typeface="Times New Roman" panose="02020603050405020304" pitchFamily="18" charset="0"/>
               </a:rPr>
-              <a:t> </a:t>
-            </a:r>
-            <a:r>
-              <a:rPr lang="ru-RU" dirty="0" smtClean="0">
-                <a:latin typeface="Times New Roman" panose="02020603050405020304" pitchFamily="18" charset="0"/>
-                <a:cs typeface="Times New Roman" panose="02020603050405020304" pitchFamily="18" charset="0"/>
-              </a:rPr>
-              <a:t>СУБД</a:t>
+              <a:t> СУБД</a:t>
             </a:r>
             <a:r>
               <a:rPr lang="en-US" dirty="0" smtClean="0">
@@ -6915,7 +6938,7 @@
         </p:blipFill>
         <p:spPr bwMode="auto">
           <a:xfrm>
-            <a:off x="561976" y="3955709"/>
+            <a:off x="561976" y="4136004"/>
             <a:ext cx="1277258" cy="1277258"/>
           </a:xfrm>
           <a:prstGeom prst="rect">

--- a/SportHub docs/Presentation_SportHub.pptx
+++ b/SportHub docs/Presentation_SportHub.pptx
@@ -608,7 +608,7 @@
           <a:bodyPr/>
           <a:lstStyle/>
           <a:p>
-            <a:fld id="{86CFD1E4-F081-49CD-8B8B-11B083719A33}" type="datetimeFigureOut">
+            <a:fld id="{E435B804-F83A-4B80-A8D5-4401B45DFD12}" type="datetime1">
               <a:rPr lang="en-US" smtClean="0"/>
               <a:t>6/8/2021</a:t>
             </a:fld>
@@ -778,7 +778,7 @@
           <a:bodyPr/>
           <a:lstStyle/>
           <a:p>
-            <a:fld id="{86CFD1E4-F081-49CD-8B8B-11B083719A33}" type="datetimeFigureOut">
+            <a:fld id="{C9405B78-2512-454C-A2E3-D35DE39C9225}" type="datetime1">
               <a:rPr lang="en-US" smtClean="0"/>
               <a:t>6/8/2021</a:t>
             </a:fld>
@@ -958,7 +958,7 @@
           <a:bodyPr/>
           <a:lstStyle/>
           <a:p>
-            <a:fld id="{86CFD1E4-F081-49CD-8B8B-11B083719A33}" type="datetimeFigureOut">
+            <a:fld id="{E06F5FD3-FEA9-41A8-9034-66A2882FA81D}" type="datetime1">
               <a:rPr lang="en-US" smtClean="0"/>
               <a:t>6/8/2021</a:t>
             </a:fld>
@@ -1128,7 +1128,7 @@
           <a:bodyPr/>
           <a:lstStyle/>
           <a:p>
-            <a:fld id="{86CFD1E4-F081-49CD-8B8B-11B083719A33}" type="datetimeFigureOut">
+            <a:fld id="{4D915130-ED9C-4D76-AB83-0FDF3C81640C}" type="datetime1">
               <a:rPr lang="en-US" smtClean="0"/>
               <a:t>6/8/2021</a:t>
             </a:fld>
@@ -1374,7 +1374,7 @@
           <a:bodyPr/>
           <a:lstStyle/>
           <a:p>
-            <a:fld id="{86CFD1E4-F081-49CD-8B8B-11B083719A33}" type="datetimeFigureOut">
+            <a:fld id="{D3624EFF-2E8A-4917-80F9-A2CB1B7D2A64}" type="datetime1">
               <a:rPr lang="en-US" smtClean="0"/>
               <a:t>6/8/2021</a:t>
             </a:fld>
@@ -1606,7 +1606,7 @@
           <a:bodyPr/>
           <a:lstStyle/>
           <a:p>
-            <a:fld id="{86CFD1E4-F081-49CD-8B8B-11B083719A33}" type="datetimeFigureOut">
+            <a:fld id="{265EAADF-081A-4398-9598-377C917BA472}" type="datetime1">
               <a:rPr lang="en-US" smtClean="0"/>
               <a:t>6/8/2021</a:t>
             </a:fld>
@@ -1973,7 +1973,7 @@
           <a:bodyPr/>
           <a:lstStyle/>
           <a:p>
-            <a:fld id="{86CFD1E4-F081-49CD-8B8B-11B083719A33}" type="datetimeFigureOut">
+            <a:fld id="{DE4AC111-B842-4207-8F52-4E17F0E082FB}" type="datetime1">
               <a:rPr lang="en-US" smtClean="0"/>
               <a:t>6/8/2021</a:t>
             </a:fld>
@@ -2091,7 +2091,7 @@
           <a:bodyPr/>
           <a:lstStyle/>
           <a:p>
-            <a:fld id="{86CFD1E4-F081-49CD-8B8B-11B083719A33}" type="datetimeFigureOut">
+            <a:fld id="{22B194C5-C95B-4906-A33B-85D4C8AD5911}" type="datetime1">
               <a:rPr lang="en-US" smtClean="0"/>
               <a:t>6/8/2021</a:t>
             </a:fld>
@@ -2186,7 +2186,7 @@
           <a:bodyPr/>
           <a:lstStyle/>
           <a:p>
-            <a:fld id="{86CFD1E4-F081-49CD-8B8B-11B083719A33}" type="datetimeFigureOut">
+            <a:fld id="{39B9B12D-FAE5-4990-94E7-1D7056964417}" type="datetime1">
               <a:rPr lang="en-US" smtClean="0"/>
               <a:t>6/8/2021</a:t>
             </a:fld>
@@ -2463,7 +2463,7 @@
           <a:bodyPr/>
           <a:lstStyle/>
           <a:p>
-            <a:fld id="{86CFD1E4-F081-49CD-8B8B-11B083719A33}" type="datetimeFigureOut">
+            <a:fld id="{006B4D45-4750-4A95-A95D-58117B6EFA36}" type="datetime1">
               <a:rPr lang="en-US" smtClean="0"/>
               <a:t>6/8/2021</a:t>
             </a:fld>
@@ -2716,7 +2716,7 @@
           <a:bodyPr/>
           <a:lstStyle/>
           <a:p>
-            <a:fld id="{86CFD1E4-F081-49CD-8B8B-11B083719A33}" type="datetimeFigureOut">
+            <a:fld id="{90E94D77-CB1F-4CB8-86C8-8D1E5215970C}" type="datetime1">
               <a:rPr lang="en-US" smtClean="0"/>
               <a:t>6/8/2021</a:t>
             </a:fld>
@@ -2929,7 +2929,7 @@
             </a:lvl1pPr>
           </a:lstStyle>
           <a:p>
-            <a:fld id="{86CFD1E4-F081-49CD-8B8B-11B083719A33}" type="datetimeFigureOut">
+            <a:fld id="{36DDA66D-3413-4358-848F-FA60BCCD0F3B}" type="datetime1">
               <a:rPr lang="en-US" smtClean="0"/>
               <a:t>6/8/2021</a:t>
             </a:fld>
@@ -3036,6 +3036,7 @@
     <p:sldLayoutId id="2147483658" r:id="rId10"/>
     <p:sldLayoutId id="2147483659" r:id="rId11"/>
   </p:sldLayoutIdLst>
+  <p:hf hdr="0" ftr="0" dt="0"/>
   <p:txStyles>
     <p:titleStyle>
       <a:lvl1pPr algn="l" defTabSz="914400" rtl="0" eaLnBrk="1" latinLnBrk="0" hangingPunct="1">
@@ -3366,7 +3367,7 @@
         </p:blipFill>
         <p:spPr>
           <a:xfrm>
-            <a:off x="11286671" y="5947229"/>
+            <a:off x="11347450" y="5931242"/>
             <a:ext cx="778205" cy="864037"/>
           </a:xfrm>
           <a:prstGeom prst="rect">
@@ -3392,7 +3393,7 @@
         </p:spPr>
         <p:txBody>
           <a:bodyPr anchor="t">
-            <a:normAutofit/>
+            <a:normAutofit fontScale="90000"/>
           </a:bodyPr>
           <a:lstStyle/>
           <a:p>
@@ -3468,7 +3469,34 @@
                 <a:latin typeface="Times New Roman" panose="02020603050405020304" pitchFamily="18" charset="0"/>
                 <a:cs typeface="Times New Roman" panose="02020603050405020304" pitchFamily="18" charset="0"/>
               </a:rPr>
-              <a:t>Факультет информационных технологий</a:t>
+              <a:t>Факультет информационных </a:t>
+            </a:r>
+            <a:r>
+              <a:rPr lang="ru-RU" altLang="ru-RU" sz="2400" dirty="0">
+                <a:latin typeface="Times New Roman" panose="02020603050405020304" pitchFamily="18" charset="0"/>
+                <a:cs typeface="Times New Roman" panose="02020603050405020304" pitchFamily="18" charset="0"/>
+              </a:rPr>
+              <a:t>технологий</a:t>
+            </a:r>
+            <a:br>
+              <a:rPr lang="ru-RU" altLang="ru-RU" sz="2400" dirty="0">
+                <a:latin typeface="Times New Roman" panose="02020603050405020304" pitchFamily="18" charset="0"/>
+                <a:cs typeface="Times New Roman" panose="02020603050405020304" pitchFamily="18" charset="0"/>
+              </a:rPr>
+            </a:br>
+            <a:r>
+              <a:rPr lang="ru-RU" altLang="ru-RU" sz="2400" dirty="0">
+                <a:latin typeface="Times New Roman" panose="02020603050405020304" pitchFamily="18" charset="0"/>
+                <a:cs typeface="Times New Roman" panose="02020603050405020304" pitchFamily="18" charset="0"/>
+              </a:rPr>
+              <a:t>1-98 01 03 Программное обеспечение информационной безопасности мобильных систем</a:t>
+            </a:r>
+            <a:r>
+              <a:rPr lang="ru-RU" altLang="ru-RU" sz="2400" dirty="0">
+                <a:latin typeface="Times New Roman" panose="02020603050405020304" pitchFamily="18" charset="0"/>
+                <a:cs typeface="Times New Roman" panose="02020603050405020304" pitchFamily="18" charset="0"/>
+              </a:rPr>
+              <a:t/>
             </a:r>
             <a:br>
               <a:rPr lang="ru-RU" altLang="ru-RU" sz="2400" dirty="0">
@@ -3523,6 +3551,16 @@
           <a:lstStyle/>
           <a:p>
             <a:pPr algn="ctr"/>
+            <a:endParaRPr lang="ru-RU" b="1" dirty="0" smtClean="0">
+              <a:solidFill>
+                <a:schemeClr val="tx1"/>
+              </a:solidFill>
+              <a:latin typeface="Times New Roman" panose="02020603050405020304" pitchFamily="18" charset="0"/>
+              <a:cs typeface="Times New Roman" panose="02020603050405020304" pitchFamily="18" charset="0"/>
+            </a:endParaRPr>
+          </a:p>
+          <a:p>
+            <a:pPr algn="ctr"/>
             <a:r>
               <a:rPr lang="ru-RU" b="1" dirty="0" smtClean="0">
                 <a:solidFill>
@@ -3531,7 +3569,17 @@
                 <a:latin typeface="Times New Roman" panose="02020603050405020304" pitchFamily="18" charset="0"/>
                 <a:cs typeface="Times New Roman" panose="02020603050405020304" pitchFamily="18" charset="0"/>
               </a:rPr>
-              <a:t>Тема дипломного проекта:</a:t>
+              <a:t>Тема </a:t>
+            </a:r>
+            <a:r>
+              <a:rPr lang="ru-RU" b="1" dirty="0" smtClean="0">
+                <a:solidFill>
+                  <a:schemeClr val="tx1"/>
+                </a:solidFill>
+                <a:latin typeface="Times New Roman" panose="02020603050405020304" pitchFamily="18" charset="0"/>
+                <a:cs typeface="Times New Roman" panose="02020603050405020304" pitchFamily="18" charset="0"/>
+              </a:rPr>
+              <a:t>дипломного проекта:</a:t>
             </a:r>
             <a:r>
               <a:rPr lang="ru-RU" dirty="0" smtClean="0">
@@ -3560,7 +3608,7 @@
                 <a:latin typeface="Times New Roman" panose="02020603050405020304" pitchFamily="18" charset="0"/>
                 <a:cs typeface="Times New Roman" panose="02020603050405020304" pitchFamily="18" charset="0"/>
               </a:rPr>
-              <a:t>	«</a:t>
+              <a:t>	Мобильное приложение «</a:t>
             </a:r>
             <a:r>
               <a:rPr lang="ru-RU" u="sng" dirty="0" smtClean="0">
@@ -3669,75 +3717,13 @@
               </a:rPr>
               <a:t>            </a:t>
             </a:r>
-            <a:r>
-              <a:rPr lang="ru-RU" sz="2000" dirty="0" smtClean="0">
-                <a:solidFill>
-                  <a:schemeClr val="tx1"/>
-                </a:solidFill>
-                <a:latin typeface="Times New Roman" panose="02020603050405020304" pitchFamily="18" charset="0"/>
-                <a:cs typeface="Times New Roman" panose="02020603050405020304" pitchFamily="18" charset="0"/>
-              </a:rPr>
-              <a:t>Дипломник</a:t>
-            </a:r>
-            <a:r>
-              <a:rPr lang="ru-RU" sz="2000" dirty="0">
-                <a:solidFill>
-                  <a:schemeClr val="tx1"/>
-                </a:solidFill>
-                <a:latin typeface="Times New Roman" panose="02020603050405020304" pitchFamily="18" charset="0"/>
-                <a:cs typeface="Times New Roman" panose="02020603050405020304" pitchFamily="18" charset="0"/>
-              </a:rPr>
-              <a:t>: Першай Ян Борисович</a:t>
-            </a:r>
-            <a:br>
-              <a:rPr lang="ru-RU" sz="2000" dirty="0">
-                <a:solidFill>
-                  <a:schemeClr val="tx1"/>
-                </a:solidFill>
-                <a:latin typeface="Times New Roman" panose="02020603050405020304" pitchFamily="18" charset="0"/>
-                <a:cs typeface="Times New Roman" panose="02020603050405020304" pitchFamily="18" charset="0"/>
-              </a:rPr>
-            </a:br>
-            <a:r>
-              <a:rPr lang="ru-RU" sz="2000" dirty="0">
-                <a:solidFill>
-                  <a:schemeClr val="tx1"/>
-                </a:solidFill>
-                <a:latin typeface="Times New Roman" panose="02020603050405020304" pitchFamily="18" charset="0"/>
-                <a:cs typeface="Times New Roman" panose="02020603050405020304" pitchFamily="18" charset="0"/>
-              </a:rPr>
-              <a:t>		</a:t>
-            </a:r>
-            <a:r>
-              <a:rPr lang="ru-RU" sz="2000" dirty="0" smtClean="0">
-                <a:solidFill>
-                  <a:schemeClr val="tx1"/>
-                </a:solidFill>
-                <a:latin typeface="Times New Roman" panose="02020603050405020304" pitchFamily="18" charset="0"/>
-                <a:cs typeface="Times New Roman" panose="02020603050405020304" pitchFamily="18" charset="0"/>
-              </a:rPr>
-              <a:t>Руководитель</a:t>
-            </a:r>
-            <a:r>
-              <a:rPr lang="ru-RU" sz="2000" dirty="0">
-                <a:solidFill>
-                  <a:schemeClr val="tx1"/>
-                </a:solidFill>
-                <a:latin typeface="Times New Roman" panose="02020603050405020304" pitchFamily="18" charset="0"/>
-                <a:cs typeface="Times New Roman" panose="02020603050405020304" pitchFamily="18" charset="0"/>
-              </a:rPr>
-              <a:t>: ст. преподаватель Блинова Евгения </a:t>
-            </a:r>
-            <a:r>
-              <a:rPr lang="ru-RU" sz="2000" dirty="0" smtClean="0">
-                <a:solidFill>
-                  <a:schemeClr val="tx1"/>
-                </a:solidFill>
-                <a:latin typeface="Times New Roman" panose="02020603050405020304" pitchFamily="18" charset="0"/>
-                <a:cs typeface="Times New Roman" panose="02020603050405020304" pitchFamily="18" charset="0"/>
-              </a:rPr>
-              <a:t>Александровна</a:t>
-            </a:r>
+            <a:endParaRPr lang="ru-RU" sz="2000" dirty="0" smtClean="0">
+              <a:solidFill>
+                <a:schemeClr val="tx1"/>
+              </a:solidFill>
+              <a:latin typeface="Times New Roman" panose="02020603050405020304" pitchFamily="18" charset="0"/>
+              <a:cs typeface="Times New Roman" panose="02020603050405020304" pitchFamily="18" charset="0"/>
+            </a:endParaRPr>
           </a:p>
           <a:p>
             <a:pPr algn="ctr"/>
@@ -3751,16 +3737,6 @@
           </a:p>
           <a:p>
             <a:pPr algn="ctr"/>
-            <a:endParaRPr lang="ru-RU" sz="2000" dirty="0" smtClean="0">
-              <a:solidFill>
-                <a:schemeClr val="tx1"/>
-              </a:solidFill>
-              <a:latin typeface="Times New Roman" panose="02020603050405020304" pitchFamily="18" charset="0"/>
-              <a:cs typeface="Times New Roman" panose="02020603050405020304" pitchFamily="18" charset="0"/>
-            </a:endParaRPr>
-          </a:p>
-          <a:p>
-            <a:pPr algn="ctr"/>
             <a:endParaRPr lang="ru-RU" sz="2000" dirty="0">
               <a:solidFill>
                 <a:schemeClr val="tx1"/>
@@ -3772,6 +3748,16 @@
           <a:p>
             <a:pPr algn="ctr"/>
             <a:r>
+              <a:rPr lang="ru-RU" sz="2000" dirty="0">
+                <a:solidFill>
+                  <a:schemeClr val="tx1"/>
+                </a:solidFill>
+                <a:latin typeface="Times New Roman" panose="02020603050405020304" pitchFamily="18" charset="0"/>
+                <a:cs typeface="Times New Roman" panose="02020603050405020304" pitchFamily="18" charset="0"/>
+              </a:rPr>
+              <a:t>	</a:t>
+            </a:r>
+            <a:r>
               <a:rPr lang="ru-RU" sz="2000" dirty="0" smtClean="0">
                 <a:solidFill>
                   <a:schemeClr val="tx1"/>
@@ -3779,7 +3765,27 @@
                 <a:latin typeface="Times New Roman" panose="02020603050405020304" pitchFamily="18" charset="0"/>
                 <a:cs typeface="Times New Roman" panose="02020603050405020304" pitchFamily="18" charset="0"/>
               </a:rPr>
-              <a:t>					Минск 2021</a:t>
+              <a:t>				</a:t>
+            </a:r>
+            <a:r>
+              <a:rPr lang="ru-RU" sz="2000" dirty="0" smtClean="0">
+                <a:solidFill>
+                  <a:schemeClr val="tx1"/>
+                </a:solidFill>
+                <a:latin typeface="Times New Roman" panose="02020603050405020304" pitchFamily="18" charset="0"/>
+                <a:cs typeface="Times New Roman" panose="02020603050405020304" pitchFamily="18" charset="0"/>
+              </a:rPr>
+              <a:t>Минск </a:t>
+            </a:r>
+            <a:r>
+              <a:rPr lang="ru-RU" sz="2000" dirty="0" smtClean="0">
+                <a:solidFill>
+                  <a:schemeClr val="tx1"/>
+                </a:solidFill>
+                <a:latin typeface="Times New Roman" panose="02020603050405020304" pitchFamily="18" charset="0"/>
+                <a:cs typeface="Times New Roman" panose="02020603050405020304" pitchFamily="18" charset="0"/>
+              </a:rPr>
+              <a:t>2021</a:t>
             </a:r>
             <a:r>
               <a:rPr lang="ru-RU" dirty="0">
@@ -3858,6 +3864,72 @@
           <a:p>
             <a:pPr algn="ctr"/>
             <a:endParaRPr lang="en-US"/>
+          </a:p>
+        </p:txBody>
+      </p:sp>
+      <p:sp>
+        <p:nvSpPr>
+          <p:cNvPr id="2" name="TextBox 1"/>
+          <p:cNvSpPr txBox="1"/>
+          <p:nvPr/>
+        </p:nvSpPr>
+        <p:spPr>
+          <a:xfrm>
+            <a:off x="2200541" y="4354541"/>
+            <a:ext cx="6661504" cy="923330"/>
+          </a:xfrm>
+          <a:prstGeom prst="rect">
+            <a:avLst/>
+          </a:prstGeom>
+          <a:noFill/>
+        </p:spPr>
+        <p:txBody>
+          <a:bodyPr wrap="none" rtlCol="0">
+            <a:spAutoFit/>
+          </a:bodyPr>
+          <a:lstStyle/>
+          <a:p>
+            <a:endParaRPr lang="ru-RU" dirty="0" smtClean="0">
+              <a:latin typeface="Times New Roman" panose="02020603050405020304" pitchFamily="18" charset="0"/>
+              <a:cs typeface="Times New Roman" panose="02020603050405020304" pitchFamily="18" charset="0"/>
+            </a:endParaRPr>
+          </a:p>
+          <a:p>
+            <a:r>
+              <a:rPr lang="ru-RU" dirty="0" smtClean="0">
+                <a:latin typeface="Times New Roman" panose="02020603050405020304" pitchFamily="18" charset="0"/>
+                <a:cs typeface="Times New Roman" panose="02020603050405020304" pitchFamily="18" charset="0"/>
+              </a:rPr>
+              <a:t>Дипломник</a:t>
+            </a:r>
+            <a:r>
+              <a:rPr lang="ru-RU" dirty="0">
+                <a:latin typeface="Times New Roman" panose="02020603050405020304" pitchFamily="18" charset="0"/>
+                <a:cs typeface="Times New Roman" panose="02020603050405020304" pitchFamily="18" charset="0"/>
+              </a:rPr>
+              <a:t>: Першай Ян Борисович</a:t>
+            </a:r>
+            <a:br>
+              <a:rPr lang="ru-RU" dirty="0">
+                <a:latin typeface="Times New Roman" panose="02020603050405020304" pitchFamily="18" charset="0"/>
+                <a:cs typeface="Times New Roman" panose="02020603050405020304" pitchFamily="18" charset="0"/>
+              </a:rPr>
+            </a:br>
+            <a:r>
+              <a:rPr lang="ru-RU" dirty="0" smtClean="0">
+                <a:latin typeface="Times New Roman" panose="02020603050405020304" pitchFamily="18" charset="0"/>
+                <a:cs typeface="Times New Roman" panose="02020603050405020304" pitchFamily="18" charset="0"/>
+              </a:rPr>
+              <a:t>Руководитель</a:t>
+            </a:r>
+            <a:r>
+              <a:rPr lang="ru-RU" dirty="0">
+                <a:latin typeface="Times New Roman" panose="02020603050405020304" pitchFamily="18" charset="0"/>
+                <a:cs typeface="Times New Roman" panose="02020603050405020304" pitchFamily="18" charset="0"/>
+              </a:rPr>
+              <a:t>: ст. преподаватель Блинова Евгения Александровна</a:t>
+            </a:r>
+            <a:endParaRPr lang="en-US" dirty="0"/>
           </a:p>
         </p:txBody>
       </p:sp>
@@ -4058,6 +4130,34 @@
           </a:ln>
         </p:spPr>
       </p:pic>
+      <p:sp>
+        <p:nvSpPr>
+          <p:cNvPr id="2" name="Номер слайда 1"/>
+          <p:cNvSpPr>
+            <a:spLocks noGrp="1"/>
+          </p:cNvSpPr>
+          <p:nvPr>
+            <p:ph type="sldNum" sz="quarter" idx="12"/>
+          </p:nvPr>
+        </p:nvSpPr>
+        <p:spPr>
+          <a:xfrm>
+            <a:off x="9448800" y="6492875"/>
+            <a:ext cx="2743200" cy="365125"/>
+          </a:xfrm>
+        </p:spPr>
+        <p:txBody>
+          <a:bodyPr/>
+          <a:lstStyle/>
+          <a:p>
+            <a:fld id="{BCA8E441-DC87-4BB3-9080-5598531278A3}" type="slidenum">
+              <a:rPr lang="en-US" sz="1600" b="1" smtClean="0"/>
+              <a:t>10</a:t>
+            </a:fld>
+            <a:endParaRPr lang="en-US" sz="1600" b="1" dirty="0"/>
+          </a:p>
+        </p:txBody>
+      </p:sp>
     </p:spTree>
     <p:extLst>
       <p:ext uri="{BB962C8B-B14F-4D97-AF65-F5344CB8AC3E}">
@@ -4258,8 +4358,8 @@
         </p:blipFill>
         <p:spPr>
           <a:xfrm>
-            <a:off x="812800" y="1190171"/>
-            <a:ext cx="10755086" cy="5637094"/>
+            <a:off x="2002827" y="1190171"/>
+            <a:ext cx="8186345" cy="5637094"/>
           </a:xfrm>
           <a:prstGeom prst="rect">
             <a:avLst/>
@@ -4271,6 +4371,34 @@
           </a:ln>
         </p:spPr>
       </p:pic>
+      <p:sp>
+        <p:nvSpPr>
+          <p:cNvPr id="3" name="Номер слайда 2"/>
+          <p:cNvSpPr>
+            <a:spLocks noGrp="1"/>
+          </p:cNvSpPr>
+          <p:nvPr>
+            <p:ph type="sldNum" sz="quarter" idx="12"/>
+          </p:nvPr>
+        </p:nvSpPr>
+        <p:spPr>
+          <a:xfrm>
+            <a:off x="9448800" y="6462140"/>
+            <a:ext cx="2743200" cy="365125"/>
+          </a:xfrm>
+        </p:spPr>
+        <p:txBody>
+          <a:bodyPr/>
+          <a:lstStyle/>
+          <a:p>
+            <a:fld id="{BCA8E441-DC87-4BB3-9080-5598531278A3}" type="slidenum">
+              <a:rPr lang="en-US" sz="1600" b="1" smtClean="0"/>
+              <a:t>11</a:t>
+            </a:fld>
+            <a:endParaRPr lang="en-US" sz="1600" b="1" dirty="0"/>
+          </a:p>
+        </p:txBody>
+      </p:sp>
     </p:spTree>
     <p:extLst>
       <p:ext uri="{BB962C8B-B14F-4D97-AF65-F5344CB8AC3E}">
@@ -4630,6 +4758,34 @@
           </a:p>
         </p:txBody>
       </p:sp>
+      <p:sp>
+        <p:nvSpPr>
+          <p:cNvPr id="2" name="Номер слайда 1"/>
+          <p:cNvSpPr>
+            <a:spLocks noGrp="1"/>
+          </p:cNvSpPr>
+          <p:nvPr>
+            <p:ph type="sldNum" sz="quarter" idx="12"/>
+          </p:nvPr>
+        </p:nvSpPr>
+        <p:spPr>
+          <a:xfrm>
+            <a:off x="9448800" y="6461353"/>
+            <a:ext cx="2743200" cy="365125"/>
+          </a:xfrm>
+        </p:spPr>
+        <p:txBody>
+          <a:bodyPr/>
+          <a:lstStyle/>
+          <a:p>
+            <a:fld id="{BCA8E441-DC87-4BB3-9080-5598531278A3}" type="slidenum">
+              <a:rPr lang="en-US" sz="1600" b="1" smtClean="0"/>
+              <a:t>12</a:t>
+            </a:fld>
+            <a:endParaRPr lang="en-US" sz="1600" b="1" dirty="0"/>
+          </a:p>
+        </p:txBody>
+      </p:sp>
     </p:spTree>
     <p:extLst>
       <p:ext uri="{BB962C8B-B14F-4D97-AF65-F5344CB8AC3E}">
@@ -4824,6 +4980,34 @@
           </a:prstGeom>
         </p:spPr>
       </p:pic>
+      <p:sp>
+        <p:nvSpPr>
+          <p:cNvPr id="3" name="Номер слайда 2"/>
+          <p:cNvSpPr>
+            <a:spLocks noGrp="1"/>
+          </p:cNvSpPr>
+          <p:nvPr>
+            <p:ph type="sldNum" sz="quarter" idx="12"/>
+          </p:nvPr>
+        </p:nvSpPr>
+        <p:spPr>
+          <a:xfrm>
+            <a:off x="9448800" y="6453757"/>
+            <a:ext cx="2743200" cy="365125"/>
+          </a:xfrm>
+        </p:spPr>
+        <p:txBody>
+          <a:bodyPr/>
+          <a:lstStyle/>
+          <a:p>
+            <a:fld id="{BCA8E441-DC87-4BB3-9080-5598531278A3}" type="slidenum">
+              <a:rPr lang="en-US" sz="1600" b="1" smtClean="0"/>
+              <a:t>13</a:t>
+            </a:fld>
+            <a:endParaRPr lang="en-US" sz="1600" b="1" dirty="0"/>
+          </a:p>
+        </p:txBody>
+      </p:sp>
     </p:spTree>
     <p:extLst>
       <p:ext uri="{BB962C8B-B14F-4D97-AF65-F5344CB8AC3E}">
@@ -4957,6 +5141,34 @@
           <a:p>
             <a:pPr algn="ctr"/>
             <a:endParaRPr lang="en-US"/>
+          </a:p>
+        </p:txBody>
+      </p:sp>
+      <p:sp>
+        <p:nvSpPr>
+          <p:cNvPr id="2" name="Номер слайда 1"/>
+          <p:cNvSpPr>
+            <a:spLocks noGrp="1"/>
+          </p:cNvSpPr>
+          <p:nvPr>
+            <p:ph type="sldNum" sz="quarter" idx="12"/>
+          </p:nvPr>
+        </p:nvSpPr>
+        <p:spPr>
+          <a:xfrm>
+            <a:off x="9448800" y="6492875"/>
+            <a:ext cx="2743200" cy="365125"/>
+          </a:xfrm>
+        </p:spPr>
+        <p:txBody>
+          <a:bodyPr/>
+          <a:lstStyle/>
+          <a:p>
+            <a:fld id="{BCA8E441-DC87-4BB3-9080-5598531278A3}" type="slidenum">
+              <a:rPr lang="en-US" sz="1600" b="1" smtClean="0"/>
+              <a:t>14</a:t>
+            </a:fld>
+            <a:endParaRPr lang="en-US" sz="1600" b="1" dirty="0"/>
           </a:p>
         </p:txBody>
       </p:sp>
@@ -5166,6 +5378,29 @@
           </a:p>
         </p:txBody>
       </p:sp>
+      <p:sp>
+        <p:nvSpPr>
+          <p:cNvPr id="2" name="Номер слайда 1"/>
+          <p:cNvSpPr>
+            <a:spLocks noGrp="1"/>
+          </p:cNvSpPr>
+          <p:nvPr>
+            <p:ph type="sldNum" sz="quarter" idx="12"/>
+          </p:nvPr>
+        </p:nvSpPr>
+        <p:spPr/>
+        <p:txBody>
+          <a:bodyPr/>
+          <a:lstStyle/>
+          <a:p>
+            <a:fld id="{BCA8E441-DC87-4BB3-9080-5598531278A3}" type="slidenum">
+              <a:rPr lang="en-US" sz="1600" b="1" smtClean="0"/>
+              <a:t>15</a:t>
+            </a:fld>
+            <a:endParaRPr lang="en-US" sz="1600" b="1" dirty="0"/>
+          </a:p>
+        </p:txBody>
+      </p:sp>
     </p:spTree>
     <p:extLst>
       <p:ext uri="{BB962C8B-B14F-4D97-AF65-F5344CB8AC3E}">
@@ -5358,6 +5593,34 @@
           </a:p>
         </p:txBody>
       </p:sp>
+      <p:sp>
+        <p:nvSpPr>
+          <p:cNvPr id="3" name="Номер слайда 2"/>
+          <p:cNvSpPr>
+            <a:spLocks noGrp="1"/>
+          </p:cNvSpPr>
+          <p:nvPr>
+            <p:ph type="sldNum" sz="quarter" idx="12"/>
+          </p:nvPr>
+        </p:nvSpPr>
+        <p:spPr>
+          <a:xfrm>
+            <a:off x="9448800" y="6492875"/>
+            <a:ext cx="2743200" cy="365125"/>
+          </a:xfrm>
+        </p:spPr>
+        <p:txBody>
+          <a:bodyPr/>
+          <a:lstStyle/>
+          <a:p>
+            <a:fld id="{BCA8E441-DC87-4BB3-9080-5598531278A3}" type="slidenum">
+              <a:rPr lang="en-US" sz="1600" b="1" smtClean="0"/>
+              <a:t>2</a:t>
+            </a:fld>
+            <a:endParaRPr lang="en-US" sz="1600" b="1" dirty="0"/>
+          </a:p>
+        </p:txBody>
+      </p:sp>
     </p:spTree>
     <p:extLst>
       <p:ext uri="{BB962C8B-B14F-4D97-AF65-F5344CB8AC3E}">
@@ -5568,6 +5831,11 @@
           <a:prstGeom prst="rect">
             <a:avLst/>
           </a:prstGeom>
+          <a:ln>
+            <a:solidFill>
+              <a:schemeClr val="tx1"/>
+            </a:solidFill>
+          </a:ln>
         </p:spPr>
       </p:pic>
       <p:sp>
@@ -5845,6 +6113,11 @@
           <a:prstGeom prst="rect">
             <a:avLst/>
           </a:prstGeom>
+          <a:ln>
+            <a:solidFill>
+              <a:schemeClr val="tx1"/>
+            </a:solidFill>
+          </a:ln>
         </p:spPr>
       </p:pic>
       <p:sp>
@@ -6056,6 +6329,34 @@
           </a:p>
           <a:p>
             <a:endParaRPr lang="en-US" dirty="0"/>
+          </a:p>
+        </p:txBody>
+      </p:sp>
+      <p:sp>
+        <p:nvSpPr>
+          <p:cNvPr id="6" name="Номер слайда 5"/>
+          <p:cNvSpPr>
+            <a:spLocks noGrp="1"/>
+          </p:cNvSpPr>
+          <p:nvPr>
+            <p:ph type="sldNum" sz="quarter" idx="12"/>
+          </p:nvPr>
+        </p:nvSpPr>
+        <p:spPr>
+          <a:xfrm>
+            <a:off x="9390742" y="6410671"/>
+            <a:ext cx="2743200" cy="365125"/>
+          </a:xfrm>
+        </p:spPr>
+        <p:txBody>
+          <a:bodyPr/>
+          <a:lstStyle/>
+          <a:p>
+            <a:fld id="{BCA8E441-DC87-4BB3-9080-5598531278A3}" type="slidenum">
+              <a:rPr lang="en-US" sz="1600" b="1" smtClean="0"/>
+              <a:t>3</a:t>
+            </a:fld>
+            <a:endParaRPr lang="en-US" sz="1600" b="1" dirty="0"/>
           </a:p>
         </p:txBody>
       </p:sp>
@@ -6658,6 +6959,34 @@
           </a:p>
         </p:txBody>
       </p:sp>
+      <p:sp>
+        <p:nvSpPr>
+          <p:cNvPr id="9" name="Номер слайда 8"/>
+          <p:cNvSpPr>
+            <a:spLocks noGrp="1"/>
+          </p:cNvSpPr>
+          <p:nvPr>
+            <p:ph type="sldNum" sz="quarter" idx="12"/>
+          </p:nvPr>
+        </p:nvSpPr>
+        <p:spPr>
+          <a:xfrm>
+            <a:off x="9316356" y="6492875"/>
+            <a:ext cx="2743200" cy="365125"/>
+          </a:xfrm>
+        </p:spPr>
+        <p:txBody>
+          <a:bodyPr/>
+          <a:lstStyle/>
+          <a:p>
+            <a:fld id="{BCA8E441-DC87-4BB3-9080-5598531278A3}" type="slidenum">
+              <a:rPr lang="en-US" sz="1600" b="1" smtClean="0"/>
+              <a:t>4</a:t>
+            </a:fld>
+            <a:endParaRPr lang="en-US" sz="1600" b="1" dirty="0"/>
+          </a:p>
+        </p:txBody>
+      </p:sp>
     </p:spTree>
     <p:extLst>
       <p:ext uri="{BB962C8B-B14F-4D97-AF65-F5344CB8AC3E}">
@@ -7190,6 +7519,34 @@
           </a:extLst>
         </p:spPr>
       </p:pic>
+      <p:sp>
+        <p:nvSpPr>
+          <p:cNvPr id="2" name="Номер слайда 1"/>
+          <p:cNvSpPr>
+            <a:spLocks noGrp="1"/>
+          </p:cNvSpPr>
+          <p:nvPr>
+            <p:ph type="sldNum" sz="quarter" idx="12"/>
+          </p:nvPr>
+        </p:nvSpPr>
+        <p:spPr>
+          <a:xfrm>
+            <a:off x="9303657" y="6486939"/>
+            <a:ext cx="2743200" cy="365125"/>
+          </a:xfrm>
+        </p:spPr>
+        <p:txBody>
+          <a:bodyPr/>
+          <a:lstStyle/>
+          <a:p>
+            <a:fld id="{BCA8E441-DC87-4BB3-9080-5598531278A3}" type="slidenum">
+              <a:rPr lang="en-US" sz="1600" b="1" smtClean="0"/>
+              <a:t>5</a:t>
+            </a:fld>
+            <a:endParaRPr lang="en-US" sz="1600" b="1" dirty="0"/>
+          </a:p>
+        </p:txBody>
+      </p:sp>
     </p:spTree>
     <p:extLst>
       <p:ext uri="{BB962C8B-B14F-4D97-AF65-F5344CB8AC3E}">
@@ -7556,37 +7913,26 @@
       </p:sp>
       <p:pic>
         <p:nvPicPr>
-          <p:cNvPr id="2" name="Рисунок 1"/>
+          <p:cNvPr id="6" name="Рисунок 5"/>
           <p:cNvPicPr>
             <a:picLocks noChangeAspect="1"/>
           </p:cNvPicPr>
           <p:nvPr/>
         </p:nvPicPr>
         <p:blipFill>
-          <a:blip r:embed="rId2">
-            <a:extLst>
-              <a:ext uri="{28A0092B-C50C-407E-A947-70E740481C1C}">
-                <a14:useLocalDpi xmlns:a14="http://schemas.microsoft.com/office/drawing/2010/main" val="0"/>
-              </a:ext>
-            </a:extLst>
-          </a:blip>
+          <a:blip r:embed="rId2"/>
           <a:stretch>
             <a:fillRect/>
           </a:stretch>
         </p:blipFill>
         <p:spPr>
           <a:xfrm>
-            <a:off x="0" y="1192666"/>
-            <a:ext cx="12185877" cy="5665333"/>
+            <a:off x="0" y="1297209"/>
+            <a:ext cx="12192000" cy="5560791"/>
           </a:xfrm>
           <a:prstGeom prst="rect">
             <a:avLst/>
           </a:prstGeom>
-          <a:ln>
-            <a:solidFill>
-              <a:schemeClr val="tx1"/>
-            </a:solidFill>
-          </a:ln>
         </p:spPr>
       </p:pic>
     </p:spTree>
@@ -7786,6 +8132,34 @@
           </a:ln>
         </p:spPr>
       </p:pic>
+      <p:sp>
+        <p:nvSpPr>
+          <p:cNvPr id="2" name="Номер слайда 1"/>
+          <p:cNvSpPr>
+            <a:spLocks noGrp="1"/>
+          </p:cNvSpPr>
+          <p:nvPr>
+            <p:ph type="sldNum" sz="quarter" idx="12"/>
+          </p:nvPr>
+        </p:nvSpPr>
+        <p:spPr>
+          <a:xfrm>
+            <a:off x="9405043" y="6406868"/>
+            <a:ext cx="2743200" cy="365125"/>
+          </a:xfrm>
+        </p:spPr>
+        <p:txBody>
+          <a:bodyPr/>
+          <a:lstStyle/>
+          <a:p>
+            <a:fld id="{BCA8E441-DC87-4BB3-9080-5598531278A3}" type="slidenum">
+              <a:rPr lang="en-US" sz="1600" b="1" smtClean="0"/>
+              <a:t>8</a:t>
+            </a:fld>
+            <a:endParaRPr lang="en-US" sz="1600" b="1" dirty="0"/>
+          </a:p>
+        </p:txBody>
+      </p:sp>
     </p:spTree>
     <p:extLst>
       <p:ext uri="{BB962C8B-B14F-4D97-AF65-F5344CB8AC3E}">
@@ -7931,13 +8305,13 @@
               </a:ext>
             </a:extLst>
           </a:blip>
-          <a:srcRect r="63653"/>
+          <a:srcRect t="18482" r="63653"/>
           <a:stretch/>
         </p:blipFill>
         <p:spPr>
           <a:xfrm>
-            <a:off x="355599" y="1117598"/>
-            <a:ext cx="2706915" cy="5611417"/>
+            <a:off x="280025" y="1117598"/>
+            <a:ext cx="3320653" cy="5611417"/>
           </a:xfrm>
           <a:prstGeom prst="rect">
             <a:avLst/>
@@ -7970,7 +8344,7 @@
         </p:blipFill>
         <p:spPr>
           <a:xfrm>
-            <a:off x="3733764" y="1117598"/>
+            <a:off x="4025115" y="1117597"/>
             <a:ext cx="3160522" cy="5611417"/>
           </a:xfrm>
           <a:prstGeom prst="rect">
@@ -8004,7 +8378,7 @@
         </p:blipFill>
         <p:spPr>
           <a:xfrm>
-            <a:off x="7444102" y="1117598"/>
+            <a:off x="7577188" y="1117597"/>
             <a:ext cx="4267941" cy="5611417"/>
           </a:xfrm>
           <a:prstGeom prst="rect">
@@ -8017,6 +8391,34 @@
           </a:ln>
         </p:spPr>
       </p:pic>
+      <p:sp>
+        <p:nvSpPr>
+          <p:cNvPr id="2" name="Номер слайда 1"/>
+          <p:cNvSpPr>
+            <a:spLocks noGrp="1"/>
+          </p:cNvSpPr>
+          <p:nvPr>
+            <p:ph type="sldNum" sz="quarter" idx="12"/>
+          </p:nvPr>
+        </p:nvSpPr>
+        <p:spPr>
+          <a:xfrm>
+            <a:off x="9448800" y="6363890"/>
+            <a:ext cx="2743200" cy="365125"/>
+          </a:xfrm>
+        </p:spPr>
+        <p:txBody>
+          <a:bodyPr/>
+          <a:lstStyle/>
+          <a:p>
+            <a:fld id="{BCA8E441-DC87-4BB3-9080-5598531278A3}" type="slidenum">
+              <a:rPr lang="en-US" sz="1600" b="1" smtClean="0"/>
+              <a:t>9</a:t>
+            </a:fld>
+            <a:endParaRPr lang="en-US" sz="1600" b="1" dirty="0"/>
+          </a:p>
+        </p:txBody>
+      </p:sp>
     </p:spTree>
     <p:extLst>
       <p:ext uri="{BB962C8B-B14F-4D97-AF65-F5344CB8AC3E}">
